--- a/ajuda/AutoLab.pptx
+++ b/ajuda/AutoLab.pptx
@@ -275,7 +275,7 @@
           <a:p>
             <a:fld id="{6068D7D9-E2C7-425D-96A3-CA2E5A2B9101}" type="datetimeFigureOut">
               <a:rPr lang="pt-BR" smtClean="0"/>
-              <a:t>28/01/2025</a:t>
+              <a:t>29/01/2025</a:t>
             </a:fld>
             <a:endParaRPr lang="pt-BR"/>
           </a:p>
@@ -434,7 +434,7 @@
           <a:p>
             <a:fld id="{954E0B2E-44AD-4091-B63B-9D8389E97802}" type="slidenum">
               <a:rPr lang="pt-BR" smtClean="0"/>
-              <a:t>‹nº›</a:t>
+              <a:t>‹#›</a:t>
             </a:fld>
             <a:endParaRPr lang="pt-BR"/>
           </a:p>
@@ -3564,7 +3564,7 @@
           <a:p>
             <a:fld id="{64E5D2C9-5EBE-43E2-9296-B7CEE50A95A1}" type="datetimeFigureOut">
               <a:rPr lang="pt-BR" smtClean="0"/>
-              <a:t>28/01/2025</a:t>
+              <a:t>29/01/2025</a:t>
             </a:fld>
             <a:endParaRPr lang="pt-BR"/>
           </a:p>
@@ -3618,7 +3618,7 @@
           <a:p>
             <a:fld id="{C73F16E9-43CF-4B62-B845-B35A7FC047F5}" type="slidenum">
               <a:rPr lang="pt-BR" smtClean="0"/>
-              <a:t>‹nº›</a:t>
+              <a:t>‹#›</a:t>
             </a:fld>
             <a:endParaRPr lang="pt-BR"/>
           </a:p>
@@ -3764,7 +3764,7 @@
           <a:p>
             <a:fld id="{64E5D2C9-5EBE-43E2-9296-B7CEE50A95A1}" type="datetimeFigureOut">
               <a:rPr lang="pt-BR" smtClean="0"/>
-              <a:t>28/01/2025</a:t>
+              <a:t>29/01/2025</a:t>
             </a:fld>
             <a:endParaRPr lang="pt-BR"/>
           </a:p>
@@ -3818,7 +3818,7 @@
           <a:p>
             <a:fld id="{C73F16E9-43CF-4B62-B845-B35A7FC047F5}" type="slidenum">
               <a:rPr lang="pt-BR" smtClean="0"/>
-              <a:t>‹nº›</a:t>
+              <a:t>‹#›</a:t>
             </a:fld>
             <a:endParaRPr lang="pt-BR"/>
           </a:p>
@@ -3974,7 +3974,7 @@
           <a:p>
             <a:fld id="{64E5D2C9-5EBE-43E2-9296-B7CEE50A95A1}" type="datetimeFigureOut">
               <a:rPr lang="pt-BR" smtClean="0"/>
-              <a:t>28/01/2025</a:t>
+              <a:t>29/01/2025</a:t>
             </a:fld>
             <a:endParaRPr lang="pt-BR"/>
           </a:p>
@@ -4028,7 +4028,7 @@
           <a:p>
             <a:fld id="{C73F16E9-43CF-4B62-B845-B35A7FC047F5}" type="slidenum">
               <a:rPr lang="pt-BR" smtClean="0"/>
-              <a:t>‹nº›</a:t>
+              <a:t>‹#›</a:t>
             </a:fld>
             <a:endParaRPr lang="pt-BR"/>
           </a:p>
@@ -4274,7 +4274,7 @@
           <a:p>
             <a:fld id="{64E5D2C9-5EBE-43E2-9296-B7CEE50A95A1}" type="datetimeFigureOut">
               <a:rPr lang="pt-BR" smtClean="0"/>
-              <a:t>28/01/2025</a:t>
+              <a:t>29/01/2025</a:t>
             </a:fld>
             <a:endParaRPr lang="pt-BR"/>
           </a:p>
@@ -4328,7 +4328,7 @@
           <a:p>
             <a:fld id="{C73F16E9-43CF-4B62-B845-B35A7FC047F5}" type="slidenum">
               <a:rPr lang="pt-BR" smtClean="0"/>
-              <a:t>‹nº›</a:t>
+              <a:t>‹#›</a:t>
             </a:fld>
             <a:endParaRPr lang="pt-BR"/>
           </a:p>
@@ -4550,7 +4550,7 @@
           <a:p>
             <a:fld id="{64E5D2C9-5EBE-43E2-9296-B7CEE50A95A1}" type="datetimeFigureOut">
               <a:rPr lang="pt-BR" smtClean="0"/>
-              <a:t>28/01/2025</a:t>
+              <a:t>29/01/2025</a:t>
             </a:fld>
             <a:endParaRPr lang="pt-BR"/>
           </a:p>
@@ -4604,7 +4604,7 @@
           <a:p>
             <a:fld id="{C73F16E9-43CF-4B62-B845-B35A7FC047F5}" type="slidenum">
               <a:rPr lang="pt-BR" smtClean="0"/>
-              <a:t>‹nº›</a:t>
+              <a:t>‹#›</a:t>
             </a:fld>
             <a:endParaRPr lang="pt-BR"/>
           </a:p>
@@ -4818,7 +4818,7 @@
           <a:p>
             <a:fld id="{64E5D2C9-5EBE-43E2-9296-B7CEE50A95A1}" type="datetimeFigureOut">
               <a:rPr lang="pt-BR" smtClean="0"/>
-              <a:t>28/01/2025</a:t>
+              <a:t>29/01/2025</a:t>
             </a:fld>
             <a:endParaRPr lang="pt-BR"/>
           </a:p>
@@ -4872,7 +4872,7 @@
           <a:p>
             <a:fld id="{C73F16E9-43CF-4B62-B845-B35A7FC047F5}" type="slidenum">
               <a:rPr lang="pt-BR" smtClean="0"/>
-              <a:t>‹nº›</a:t>
+              <a:t>‹#›</a:t>
             </a:fld>
             <a:endParaRPr lang="pt-BR"/>
           </a:p>
@@ -5233,7 +5233,7 @@
           <a:p>
             <a:fld id="{64E5D2C9-5EBE-43E2-9296-B7CEE50A95A1}" type="datetimeFigureOut">
               <a:rPr lang="pt-BR" smtClean="0"/>
-              <a:t>28/01/2025</a:t>
+              <a:t>29/01/2025</a:t>
             </a:fld>
             <a:endParaRPr lang="pt-BR"/>
           </a:p>
@@ -5287,7 +5287,7 @@
           <a:p>
             <a:fld id="{C73F16E9-43CF-4B62-B845-B35A7FC047F5}" type="slidenum">
               <a:rPr lang="pt-BR" smtClean="0"/>
-              <a:t>‹nº›</a:t>
+              <a:t>‹#›</a:t>
             </a:fld>
             <a:endParaRPr lang="pt-BR"/>
           </a:p>
@@ -5375,7 +5375,7 @@
           <a:p>
             <a:fld id="{64E5D2C9-5EBE-43E2-9296-B7CEE50A95A1}" type="datetimeFigureOut">
               <a:rPr lang="pt-BR" smtClean="0"/>
-              <a:t>28/01/2025</a:t>
+              <a:t>29/01/2025</a:t>
             </a:fld>
             <a:endParaRPr lang="pt-BR"/>
           </a:p>
@@ -5429,7 +5429,7 @@
           <a:p>
             <a:fld id="{C73F16E9-43CF-4B62-B845-B35A7FC047F5}" type="slidenum">
               <a:rPr lang="pt-BR" smtClean="0"/>
-              <a:t>‹nº›</a:t>
+              <a:t>‹#›</a:t>
             </a:fld>
             <a:endParaRPr lang="pt-BR"/>
           </a:p>
@@ -5488,7 +5488,7 @@
           <a:p>
             <a:fld id="{64E5D2C9-5EBE-43E2-9296-B7CEE50A95A1}" type="datetimeFigureOut">
               <a:rPr lang="pt-BR" smtClean="0"/>
-              <a:t>28/01/2025</a:t>
+              <a:t>29/01/2025</a:t>
             </a:fld>
             <a:endParaRPr lang="pt-BR"/>
           </a:p>
@@ -5542,7 +5542,7 @@
           <a:p>
             <a:fld id="{C73F16E9-43CF-4B62-B845-B35A7FC047F5}" type="slidenum">
               <a:rPr lang="pt-BR" smtClean="0"/>
-              <a:t>‹nº›</a:t>
+              <a:t>‹#›</a:t>
             </a:fld>
             <a:endParaRPr lang="pt-BR"/>
           </a:p>
@@ -5801,7 +5801,7 @@
           <a:p>
             <a:fld id="{64E5D2C9-5EBE-43E2-9296-B7CEE50A95A1}" type="datetimeFigureOut">
               <a:rPr lang="pt-BR" smtClean="0"/>
-              <a:t>28/01/2025</a:t>
+              <a:t>29/01/2025</a:t>
             </a:fld>
             <a:endParaRPr lang="pt-BR"/>
           </a:p>
@@ -5855,7 +5855,7 @@
           <a:p>
             <a:fld id="{C73F16E9-43CF-4B62-B845-B35A7FC047F5}" type="slidenum">
               <a:rPr lang="pt-BR" smtClean="0"/>
-              <a:t>‹nº›</a:t>
+              <a:t>‹#›</a:t>
             </a:fld>
             <a:endParaRPr lang="pt-BR"/>
           </a:p>
@@ -6090,7 +6090,7 @@
           <a:p>
             <a:fld id="{64E5D2C9-5EBE-43E2-9296-B7CEE50A95A1}" type="datetimeFigureOut">
               <a:rPr lang="pt-BR" smtClean="0"/>
-              <a:t>28/01/2025</a:t>
+              <a:t>29/01/2025</a:t>
             </a:fld>
             <a:endParaRPr lang="pt-BR"/>
           </a:p>
@@ -6144,7 +6144,7 @@
           <a:p>
             <a:fld id="{C73F16E9-43CF-4B62-B845-B35A7FC047F5}" type="slidenum">
               <a:rPr lang="pt-BR" smtClean="0"/>
-              <a:t>‹nº›</a:t>
+              <a:t>‹#›</a:t>
             </a:fld>
             <a:endParaRPr lang="pt-BR"/>
           </a:p>
@@ -6333,7 +6333,7 @@
           <a:p>
             <a:fld id="{64E5D2C9-5EBE-43E2-9296-B7CEE50A95A1}" type="datetimeFigureOut">
               <a:rPr lang="pt-BR" smtClean="0"/>
-              <a:t>28/01/2025</a:t>
+              <a:t>29/01/2025</a:t>
             </a:fld>
             <a:endParaRPr lang="pt-BR"/>
           </a:p>
@@ -6423,7 +6423,7 @@
           <a:p>
             <a:fld id="{C73F16E9-43CF-4B62-B845-B35A7FC047F5}" type="slidenum">
               <a:rPr lang="pt-BR" smtClean="0"/>
-              <a:t>‹nº›</a:t>
+              <a:t>‹#›</a:t>
             </a:fld>
             <a:endParaRPr lang="pt-BR"/>
           </a:p>
@@ -7161,13 +7161,13 @@
   <p:clrMapOvr>
     <a:masterClrMapping/>
   </p:clrMapOvr>
-  <mc:AlternateContent xmlns:mc="http://schemas.openxmlformats.org/markup-compatibility/2006">
-    <mc:Choice xmlns:p14="http://schemas.microsoft.com/office/powerpoint/2010/main" Requires="p14">
+  <mc:AlternateContent xmlns:mc="http://schemas.openxmlformats.org/markup-compatibility/2006" xmlns:p14="http://schemas.microsoft.com/office/powerpoint/2010/main">
+    <mc:Choice Requires="p14">
       <p:transition spd="med" p14:dur="700" advTm="8567">
         <p:fade/>
       </p:transition>
     </mc:Choice>
-    <mc:Fallback>
+    <mc:Fallback xmlns="">
       <p:transition spd="med" advTm="8567">
         <p:fade/>
       </p:transition>
@@ -7378,13 +7378,13 @@
   <p:clrMapOvr>
     <a:masterClrMapping/>
   </p:clrMapOvr>
-  <mc:AlternateContent xmlns:mc="http://schemas.openxmlformats.org/markup-compatibility/2006">
-    <mc:Choice xmlns:p14="http://schemas.microsoft.com/office/powerpoint/2010/main" Requires="p14">
+  <mc:AlternateContent xmlns:mc="http://schemas.openxmlformats.org/markup-compatibility/2006" xmlns:p14="http://schemas.microsoft.com/office/powerpoint/2010/main">
+    <mc:Choice Requires="p14">
       <p:transition spd="med" p14:dur="700" advTm="2284">
         <p:fade/>
       </p:transition>
     </mc:Choice>
-    <mc:Fallback>
+    <mc:Fallback xmlns="">
       <p:transition spd="med" advTm="2284">
         <p:fade/>
       </p:transition>
@@ -7899,13 +7899,13 @@
   <p:clrMapOvr>
     <a:masterClrMapping/>
   </p:clrMapOvr>
-  <mc:AlternateContent xmlns:mc="http://schemas.openxmlformats.org/markup-compatibility/2006">
-    <mc:Choice xmlns:p14="http://schemas.microsoft.com/office/powerpoint/2010/main" Requires="p14">
+  <mc:AlternateContent xmlns:mc="http://schemas.openxmlformats.org/markup-compatibility/2006" xmlns:p14="http://schemas.microsoft.com/office/powerpoint/2010/main">
+    <mc:Choice Requires="p14">
       <p:transition spd="med" p14:dur="700" advTm="4934">
         <p:fade/>
       </p:transition>
     </mc:Choice>
-    <mc:Fallback>
+    <mc:Fallback xmlns="">
       <p:transition spd="med" advTm="4934">
         <p:fade/>
       </p:transition>
@@ -8116,13 +8116,13 @@
   <p:clrMapOvr>
     <a:masterClrMapping/>
   </p:clrMapOvr>
-  <mc:AlternateContent xmlns:mc="http://schemas.openxmlformats.org/markup-compatibility/2006">
-    <mc:Choice xmlns:p14="http://schemas.microsoft.com/office/powerpoint/2010/main" Requires="p14">
+  <mc:AlternateContent xmlns:mc="http://schemas.openxmlformats.org/markup-compatibility/2006" xmlns:p14="http://schemas.microsoft.com/office/powerpoint/2010/main">
+    <mc:Choice Requires="p14">
       <p:transition spd="med" p14:dur="700" advTm="1274">
         <p:fade/>
       </p:transition>
     </mc:Choice>
-    <mc:Fallback>
+    <mc:Fallback xmlns="">
       <p:transition spd="med" advTm="1274">
         <p:fade/>
       </p:transition>
@@ -8535,13 +8535,13 @@
   <p:clrMapOvr>
     <a:masterClrMapping/>
   </p:clrMapOvr>
-  <mc:AlternateContent xmlns:mc="http://schemas.openxmlformats.org/markup-compatibility/2006">
-    <mc:Choice xmlns:p14="http://schemas.microsoft.com/office/powerpoint/2010/main" Requires="p14">
+  <mc:AlternateContent xmlns:mc="http://schemas.openxmlformats.org/markup-compatibility/2006" xmlns:p14="http://schemas.microsoft.com/office/powerpoint/2010/main">
+    <mc:Choice Requires="p14">
       <p:transition spd="med" p14:dur="700" advTm="3911">
         <p:fade/>
       </p:transition>
     </mc:Choice>
-    <mc:Fallback>
+    <mc:Fallback xmlns="">
       <p:transition spd="med" advTm="3911">
         <p:fade/>
       </p:transition>
@@ -8752,13 +8752,13 @@
   <p:clrMapOvr>
     <a:masterClrMapping/>
   </p:clrMapOvr>
-  <mc:AlternateContent xmlns:mc="http://schemas.openxmlformats.org/markup-compatibility/2006">
-    <mc:Choice xmlns:p14="http://schemas.microsoft.com/office/powerpoint/2010/main" Requires="p14">
+  <mc:AlternateContent xmlns:mc="http://schemas.openxmlformats.org/markup-compatibility/2006" xmlns:p14="http://schemas.microsoft.com/office/powerpoint/2010/main">
+    <mc:Choice Requires="p14">
       <p:transition spd="med" p14:dur="700" advTm="3219">
         <p:fade/>
       </p:transition>
     </mc:Choice>
-    <mc:Fallback>
+    <mc:Fallback xmlns="">
       <p:transition spd="med" advTm="3219">
         <p:fade/>
       </p:transition>
@@ -8878,7 +8878,7 @@
                 </a:solidFill>
                 <a:latin typeface="Gotham HTF Book"/>
               </a:rPr>
-              <a:t>Campo para Mensagem Personalizada (Comando MSG)</a:t>
+              <a:t>Campo para Mensagem que será exibida nas máquinas (Comando MSG)</a:t>
             </a:r>
           </a:p>
         </p:txBody>
@@ -8938,13 +8938,13 @@
   <p:clrMapOvr>
     <a:masterClrMapping/>
   </p:clrMapOvr>
-  <mc:AlternateContent xmlns:mc="http://schemas.openxmlformats.org/markup-compatibility/2006">
-    <mc:Choice xmlns:p14="http://schemas.microsoft.com/office/powerpoint/2010/main" Requires="p14">
+  <mc:AlternateContent xmlns:mc="http://schemas.openxmlformats.org/markup-compatibility/2006" xmlns:p14="http://schemas.microsoft.com/office/powerpoint/2010/main">
+    <mc:Choice Requires="p14">
       <p:transition spd="med" p14:dur="700" advTm="3838">
         <p:fade/>
       </p:transition>
     </mc:Choice>
-    <mc:Fallback>
+    <mc:Fallback xmlns="">
       <p:transition spd="med" advTm="3838">
         <p:fade/>
       </p:transition>
@@ -9027,7 +9027,7 @@
         <p:spPr>
           <a:xfrm>
             <a:off x="555585" y="1582874"/>
-            <a:ext cx="2398473" cy="1006921"/>
+            <a:ext cx="2517224" cy="1006921"/>
           </a:xfrm>
           <a:prstGeom prst="rect">
             <a:avLst/>
@@ -9064,7 +9064,7 @@
                 </a:solidFill>
                 <a:latin typeface="Gotham HTF Book"/>
               </a:rPr>
-              <a:t>Campo para Comando com PSEXEC (apenas máquina do professor)</a:t>
+              <a:t>Campo para Comando com PSEXEC, que será executado nas máquinas</a:t>
             </a:r>
           </a:p>
         </p:txBody>
@@ -9086,8 +9086,8 @@
         </p:nvCxnSpPr>
         <p:spPr>
           <a:xfrm>
-            <a:off x="2954058" y="2086335"/>
-            <a:ext cx="969760" cy="228602"/>
+            <a:off x="3072809" y="2086335"/>
+            <a:ext cx="851009" cy="228602"/>
           </a:xfrm>
           <a:prstGeom prst="straightConnector1">
             <a:avLst/>
@@ -9166,7 +9166,7 @@
                 </a:solidFill>
                 <a:latin typeface="Gotham HTF Book"/>
               </a:rPr>
-              <a:t>Executar com Permissões de Administrador</a:t>
+              <a:t>Executar com Usuário de Administrador do Windows</a:t>
             </a:r>
           </a:p>
         </p:txBody>
@@ -9226,13 +9226,13 @@
   <p:clrMapOvr>
     <a:masterClrMapping/>
   </p:clrMapOvr>
-  <mc:AlternateContent xmlns:mc="http://schemas.openxmlformats.org/markup-compatibility/2006">
-    <mc:Choice xmlns:p14="http://schemas.microsoft.com/office/powerpoint/2010/main" Requires="p14">
+  <mc:AlternateContent xmlns:mc="http://schemas.openxmlformats.org/markup-compatibility/2006" xmlns:p14="http://schemas.microsoft.com/office/powerpoint/2010/main">
+    <mc:Choice Requires="p14">
       <p:transition spd="med" p14:dur="700" advTm="4703">
         <p:fade/>
       </p:transition>
     </mc:Choice>
-    <mc:Fallback>
+    <mc:Fallback xmlns="">
       <p:transition spd="med" advTm="4703">
         <p:fade/>
       </p:transition>
@@ -9412,13 +9412,13 @@
   <p:clrMapOvr>
     <a:masterClrMapping/>
   </p:clrMapOvr>
-  <mc:AlternateContent xmlns:mc="http://schemas.openxmlformats.org/markup-compatibility/2006">
-    <mc:Choice xmlns:p14="http://schemas.microsoft.com/office/powerpoint/2010/main" Requires="p14">
+  <mc:AlternateContent xmlns:mc="http://schemas.openxmlformats.org/markup-compatibility/2006" xmlns:p14="http://schemas.microsoft.com/office/powerpoint/2010/main">
+    <mc:Choice Requires="p14">
       <p:transition spd="med" p14:dur="700" advTm="4251">
         <p:fade/>
       </p:transition>
     </mc:Choice>
-    <mc:Fallback>
+    <mc:Fallback xmlns="">
       <p:transition spd="med" advTm="4251">
         <p:fade/>
       </p:transition>
@@ -9649,7 +9649,7 @@
                 </a:solidFill>
                 <a:latin typeface="Gotham HTF Book"/>
               </a:rPr>
-              <a:t> para Arquivos Grandes (Com ou Sem Parâmetro “Start”)</a:t>
+              <a:t> para Arquivos Grandes (retira o “Start” do comando)</a:t>
             </a:r>
           </a:p>
         </p:txBody>
@@ -9709,13 +9709,13 @@
   <p:clrMapOvr>
     <a:masterClrMapping/>
   </p:clrMapOvr>
-  <mc:AlternateContent xmlns:mc="http://schemas.openxmlformats.org/markup-compatibility/2006">
-    <mc:Choice xmlns:p14="http://schemas.microsoft.com/office/powerpoint/2010/main" Requires="p14">
+  <mc:AlternateContent xmlns:mc="http://schemas.openxmlformats.org/markup-compatibility/2006" xmlns:p14="http://schemas.microsoft.com/office/powerpoint/2010/main">
+    <mc:Choice Requires="p14">
       <p:transition spd="med" p14:dur="700" advTm="3018">
         <p:fade/>
       </p:transition>
     </mc:Choice>
-    <mc:Fallback>
+    <mc:Fallback xmlns="">
       <p:transition spd="med" advTm="3018">
         <p:fade/>
       </p:transition>
@@ -9835,7 +9835,7 @@
                 </a:solidFill>
                 <a:latin typeface="Gotham HTF Book"/>
               </a:rPr>
-              <a:t>Campo para Usuário do Login  </a:t>
+              <a:t>Campo para usuário que vai ser logado na aplicação</a:t>
             </a:r>
           </a:p>
         </p:txBody>
@@ -9937,7 +9937,7 @@
                 </a:solidFill>
                 <a:latin typeface="Gotham HTF Book"/>
               </a:rPr>
-              <a:t>Campo para Senha do Usuário</a:t>
+              <a:t>Campo para senha do usuário que vai ser logado na aplicação</a:t>
             </a:r>
           </a:p>
         </p:txBody>
@@ -9997,13 +9997,13 @@
   <p:clrMapOvr>
     <a:masterClrMapping/>
   </p:clrMapOvr>
-  <mc:AlternateContent xmlns:mc="http://schemas.openxmlformats.org/markup-compatibility/2006">
-    <mc:Choice xmlns:p14="http://schemas.microsoft.com/office/powerpoint/2010/main" Requires="p14">
+  <mc:AlternateContent xmlns:mc="http://schemas.openxmlformats.org/markup-compatibility/2006" xmlns:p14="http://schemas.microsoft.com/office/powerpoint/2010/main">
+    <mc:Choice Requires="p14">
       <p:transition spd="med" p14:dur="700" advTm="3259">
         <p:fade/>
       </p:transition>
     </mc:Choice>
-    <mc:Fallback>
+    <mc:Fallback xmlns="">
       <p:transition spd="med" advTm="3259">
         <p:fade/>
       </p:transition>
@@ -10263,13 +10263,13 @@
   <p:clrMapOvr>
     <a:masterClrMapping/>
   </p:clrMapOvr>
-  <mc:AlternateContent xmlns:mc="http://schemas.openxmlformats.org/markup-compatibility/2006">
-    <mc:Choice xmlns:p14="http://schemas.microsoft.com/office/powerpoint/2010/main" Requires="p14">
+  <mc:AlternateContent xmlns:mc="http://schemas.openxmlformats.org/markup-compatibility/2006" xmlns:p14="http://schemas.microsoft.com/office/powerpoint/2010/main">
+    <mc:Choice Requires="p14">
       <p:transition spd="med" p14:dur="700" advTm="2640">
         <p:fade/>
       </p:transition>
     </mc:Choice>
-    <mc:Fallback>
+    <mc:Fallback xmlns="">
       <p:transition spd="med" advTm="2640">
         <p:fade/>
       </p:transition>
@@ -10341,14 +10341,14 @@
           </a:ln>
           <a:extLst>
             <a:ext uri="{909E8E84-426E-40dd-AFC4-6F175D3DCCD1}">
-              <a14:hiddenFill xmlns:a14="http://schemas.microsoft.com/office/drawing/2010/main" xmlns="">
+              <a14:hiddenFill xmlns="" xmlns:a14="http://schemas.microsoft.com/office/drawing/2010/main">
                 <a:solidFill>
                   <a:srgbClr val="FFFFFF"/>
                 </a:solidFill>
               </a14:hiddenFill>
             </a:ext>
             <a:ext uri="{91240B29-F687-4f45-9708-019B960494DF}">
-              <a14:hiddenLine xmlns:a14="http://schemas.microsoft.com/office/drawing/2010/main" xmlns="" w="9525">
+              <a14:hiddenLine xmlns="" xmlns:a14="http://schemas.microsoft.com/office/drawing/2010/main" w="9525">
                 <a:solidFill>
                   <a:srgbClr val="000000"/>
                 </a:solidFill>
@@ -10931,13 +10931,13 @@
   <p:clrMapOvr>
     <a:masterClrMapping/>
   </p:clrMapOvr>
-  <mc:AlternateContent xmlns:mc="http://schemas.openxmlformats.org/markup-compatibility/2006">
-    <mc:Choice xmlns:p14="http://schemas.microsoft.com/office/powerpoint/2010/main" Requires="p14">
+  <mc:AlternateContent xmlns:mc="http://schemas.openxmlformats.org/markup-compatibility/2006" xmlns:p14="http://schemas.microsoft.com/office/powerpoint/2010/main">
+    <mc:Choice Requires="p14">
       <p:transition spd="med" p14:dur="700" advTm="2421">
         <p:fade/>
       </p:transition>
     </mc:Choice>
-    <mc:Fallback>
+    <mc:Fallback xmlns="">
       <p:transition spd="med" advTm="2421">
         <p:fade/>
       </p:transition>
@@ -11051,13 +11051,13 @@
   <p:clrMapOvr>
     <a:masterClrMapping/>
   </p:clrMapOvr>
-  <mc:AlternateContent xmlns:mc="http://schemas.openxmlformats.org/markup-compatibility/2006">
-    <mc:Choice xmlns:p14="http://schemas.microsoft.com/office/powerpoint/2010/main" Requires="p14">
+  <mc:AlternateContent xmlns:mc="http://schemas.openxmlformats.org/markup-compatibility/2006" xmlns:p14="http://schemas.microsoft.com/office/powerpoint/2010/main">
+    <mc:Choice Requires="p14">
       <p:transition spd="med" p14:dur="700" advTm="2236">
         <p:fade/>
       </p:transition>
     </mc:Choice>
-    <mc:Fallback>
+    <mc:Fallback xmlns="">
       <p:transition spd="med" advTm="2236">
         <p:fade/>
       </p:transition>
@@ -11297,13 +11297,13 @@
   <p:clrMapOvr>
     <a:masterClrMapping/>
   </p:clrMapOvr>
-  <mc:AlternateContent xmlns:mc="http://schemas.openxmlformats.org/markup-compatibility/2006">
-    <mc:Choice xmlns:p14="http://schemas.microsoft.com/office/powerpoint/2010/main" Requires="p14">
+  <mc:AlternateContent xmlns:mc="http://schemas.openxmlformats.org/markup-compatibility/2006" xmlns:p14="http://schemas.microsoft.com/office/powerpoint/2010/main">
+    <mc:Choice Requires="p14">
       <p:transition spd="med" p14:dur="700" advTm="3266">
         <p:fade/>
       </p:transition>
     </mc:Choice>
-    <mc:Fallback>
+    <mc:Fallback xmlns="">
       <p:transition spd="med" advTm="3266">
         <p:fade/>
       </p:transition>
@@ -11435,7 +11435,7 @@
         </p:nvCxnSpPr>
         <p:spPr>
           <a:xfrm>
-            <a:off x="2366434" y="4122486"/>
+            <a:off x="2462131" y="4122486"/>
             <a:ext cx="592120" cy="0"/>
           </a:xfrm>
           <a:prstGeom prst="line">
@@ -11477,8 +11477,8 @@
         </p:nvSpPr>
         <p:spPr>
           <a:xfrm>
-            <a:off x="1969728" y="3655552"/>
-            <a:ext cx="2078133" cy="369332"/>
+            <a:off x="2012260" y="3655552"/>
+            <a:ext cx="2790508" cy="369332"/>
           </a:xfrm>
           <a:prstGeom prst="rect">
             <a:avLst/>
@@ -11504,7 +11504,7 @@
                 <a:latin typeface="Gotham HTF Light"/>
                 <a:cs typeface="Gotham HTF Light"/>
               </a:rPr>
-              <a:t>3. </a:t>
+              <a:t>10. </a:t>
             </a:r>
             <a:r>
               <a:rPr lang="pt-BR" sz="2000" dirty="0">
@@ -11542,7 +11542,7 @@
         </p:nvCxnSpPr>
         <p:spPr>
           <a:xfrm>
-            <a:off x="2359810" y="4871237"/>
+            <a:off x="2444874" y="4871237"/>
             <a:ext cx="592120" cy="0"/>
           </a:xfrm>
           <a:prstGeom prst="line">
@@ -11584,8 +11584,8 @@
         </p:nvSpPr>
         <p:spPr>
           <a:xfrm>
-            <a:off x="1963104" y="4404303"/>
-            <a:ext cx="2308645" cy="369332"/>
+            <a:off x="2005636" y="4404303"/>
+            <a:ext cx="3073598" cy="369332"/>
           </a:xfrm>
           <a:prstGeom prst="rect">
             <a:avLst/>
@@ -11611,7 +11611,7 @@
                 <a:latin typeface="Gotham HTF Light"/>
                 <a:cs typeface="Gotham HTF Light"/>
               </a:rPr>
-              <a:t>4. </a:t>
+              <a:t>12. </a:t>
             </a:r>
             <a:r>
               <a:rPr lang="pt-BR" sz="2000" dirty="0">
@@ -11649,7 +11649,7 @@
         </p:nvCxnSpPr>
         <p:spPr>
           <a:xfrm>
-            <a:off x="2353186" y="5646490"/>
+            <a:off x="2480782" y="5646490"/>
             <a:ext cx="592120" cy="0"/>
           </a:xfrm>
           <a:prstGeom prst="line">
@@ -11691,8 +11691,115 @@
         </p:nvSpPr>
         <p:spPr>
           <a:xfrm>
-            <a:off x="1996236" y="5179556"/>
-            <a:ext cx="2407326" cy="369332"/>
+            <a:off x="2038768" y="5179556"/>
+            <a:ext cx="3267561" cy="369332"/>
+          </a:xfrm>
+          <a:prstGeom prst="rect">
+            <a:avLst/>
+          </a:prstGeom>
+          <a:noFill/>
+        </p:spPr>
+        <p:txBody>
+          <a:bodyPr wrap="none" rtlCol="0">
+            <a:spAutoFit/>
+          </a:bodyPr>
+          <a:lstStyle/>
+          <a:p>
+            <a:pPr defTabSz="609036">
+              <a:lnSpc>
+                <a:spcPct val="90000"/>
+              </a:lnSpc>
+            </a:pPr>
+            <a:r>
+              <a:rPr lang="pt-BR" sz="2000" b="1" dirty="0">
+                <a:solidFill>
+                  <a:srgbClr val="EC1164"/>
+                </a:solidFill>
+                <a:latin typeface="Gotham HTF Light"/>
+                <a:cs typeface="Gotham HTF Light"/>
+              </a:rPr>
+              <a:t>14. </a:t>
+            </a:r>
+            <a:r>
+              <a:rPr lang="pt-BR" sz="2000" dirty="0">
+                <a:solidFill>
+                  <a:srgbClr val="91A3AD"/>
+                </a:solidFill>
+                <a:latin typeface="Gotham HTF Light"/>
+                <a:cs typeface="Gotham HTF Light"/>
+              </a:rPr>
+              <a:t>TELAS ESPECÍFICAS</a:t>
+            </a:r>
+            <a:endParaRPr lang="pt-BR" sz="2000" dirty="0">
+              <a:solidFill>
+                <a:srgbClr val="91A3AD"/>
+              </a:solidFill>
+              <a:latin typeface="Gotham HTF Bold"/>
+              <a:cs typeface="Gotham HTF Bold"/>
+            </a:endParaRPr>
+          </a:p>
+        </p:txBody>
+      </p:sp>
+      <p:cxnSp>
+        <p:nvCxnSpPr>
+          <p:cNvPr id="20" name="Straight Connector 19">
+            <a:extLst>
+              <a:ext uri="{FF2B5EF4-FFF2-40B4-BE49-F238E27FC236}">
+                <a16:creationId xmlns:a16="http://schemas.microsoft.com/office/drawing/2014/main" id="{4A82B183-13E2-42EE-BD17-412782E11A04}"/>
+              </a:ext>
+            </a:extLst>
+          </p:cNvPr>
+          <p:cNvCxnSpPr>
+            <a:cxnSpLocks/>
+          </p:cNvCxnSpPr>
+          <p:nvPr/>
+        </p:nvCxnSpPr>
+        <p:spPr>
+          <a:xfrm>
+            <a:off x="2412971" y="2565358"/>
+            <a:ext cx="592120" cy="0"/>
+          </a:xfrm>
+          <a:prstGeom prst="line">
+            <a:avLst/>
+          </a:prstGeom>
+          <a:ln w="28575">
+            <a:solidFill>
+              <a:srgbClr val="ED145B"/>
+            </a:solidFill>
+          </a:ln>
+          <a:effectLst/>
+        </p:spPr>
+        <p:style>
+          <a:lnRef idx="2">
+            <a:schemeClr val="accent1"/>
+          </a:lnRef>
+          <a:fillRef idx="0">
+            <a:schemeClr val="accent1"/>
+          </a:fillRef>
+          <a:effectRef idx="1">
+            <a:schemeClr val="accent1"/>
+          </a:effectRef>
+          <a:fontRef idx="minor">
+            <a:schemeClr val="tx1"/>
+          </a:fontRef>
+        </p:style>
+      </p:cxnSp>
+      <p:sp>
+        <p:nvSpPr>
+          <p:cNvPr id="21" name="TextBox 20">
+            <a:extLst>
+              <a:ext uri="{FF2B5EF4-FFF2-40B4-BE49-F238E27FC236}">
+                <a16:creationId xmlns:a16="http://schemas.microsoft.com/office/drawing/2014/main" id="{4BEDB3F7-18B3-406C-BF51-13C899349A80}"/>
+              </a:ext>
+            </a:extLst>
+          </p:cNvPr>
+          <p:cNvSpPr txBox="1"/>
+          <p:nvPr/>
+        </p:nvSpPr>
+        <p:spPr>
+          <a:xfrm>
+            <a:off x="1963104" y="2098424"/>
+            <a:ext cx="2311851" cy="369332"/>
           </a:xfrm>
           <a:prstGeom prst="rect">
             <a:avLst/>
@@ -11728,7 +11835,7 @@
                 <a:latin typeface="Gotham HTF Light"/>
                 <a:cs typeface="Gotham HTF Light"/>
               </a:rPr>
-              <a:t>TELAS ESPECÍFICAS</a:t>
+              <a:t>CREDENCIAIS</a:t>
             </a:r>
             <a:endParaRPr lang="pt-BR" sz="2000" dirty="0">
               <a:solidFill>
@@ -11742,10 +11849,10 @@
       </p:sp>
       <p:cxnSp>
         <p:nvCxnSpPr>
-          <p:cNvPr id="20" name="Straight Connector 19">
-            <a:extLst>
-              <a:ext uri="{FF2B5EF4-FFF2-40B4-BE49-F238E27FC236}">
-                <a16:creationId xmlns:a16="http://schemas.microsoft.com/office/drawing/2014/main" id="{4A82B183-13E2-42EE-BD17-412782E11A04}"/>
+          <p:cNvPr id="24" name="Straight Connector 23">
+            <a:extLst>
+              <a:ext uri="{FF2B5EF4-FFF2-40B4-BE49-F238E27FC236}">
+                <a16:creationId xmlns:a16="http://schemas.microsoft.com/office/drawing/2014/main" id="{34AD8B4E-9770-4468-95C5-D0B59B3C7441}"/>
               </a:ext>
             </a:extLst>
           </p:cNvPr>
@@ -11756,7 +11863,7 @@
         </p:nvCxnSpPr>
         <p:spPr>
           <a:xfrm>
-            <a:off x="2359810" y="2565358"/>
+            <a:off x="2404956" y="3333981"/>
             <a:ext cx="592120" cy="0"/>
           </a:xfrm>
           <a:prstGeom prst="line">
@@ -11786,10 +11893,10 @@
       </p:cxnSp>
       <p:sp>
         <p:nvSpPr>
-          <p:cNvPr id="21" name="TextBox 20">
-            <a:extLst>
-              <a:ext uri="{FF2B5EF4-FFF2-40B4-BE49-F238E27FC236}">
-                <a16:creationId xmlns:a16="http://schemas.microsoft.com/office/drawing/2014/main" id="{4BEDB3F7-18B3-406C-BF51-13C899349A80}"/>
+          <p:cNvPr id="25" name="TextBox 24">
+            <a:extLst>
+              <a:ext uri="{FF2B5EF4-FFF2-40B4-BE49-F238E27FC236}">
+                <a16:creationId xmlns:a16="http://schemas.microsoft.com/office/drawing/2014/main" id="{C07673D4-31BA-43D1-A1F7-B71D74C3EC92}"/>
               </a:ext>
             </a:extLst>
           </p:cNvPr>
@@ -11798,8 +11905,8 @@
         </p:nvSpPr>
         <p:spPr>
           <a:xfrm>
-            <a:off x="1963104" y="2098424"/>
-            <a:ext cx="1821332" cy="369332"/>
+            <a:off x="1976355" y="2867047"/>
+            <a:ext cx="4945265" cy="369332"/>
           </a:xfrm>
           <a:prstGeom prst="rect">
             <a:avLst/>
@@ -11825,114 +11932,7 @@
                 <a:latin typeface="Gotham HTF Light"/>
                 <a:cs typeface="Gotham HTF Light"/>
               </a:rPr>
-              <a:t>1. </a:t>
-            </a:r>
-            <a:r>
-              <a:rPr lang="pt-BR" sz="2000" dirty="0">
-                <a:solidFill>
-                  <a:srgbClr val="91A3AD"/>
-                </a:solidFill>
-                <a:latin typeface="Gotham HTF Light"/>
-                <a:cs typeface="Gotham HTF Light"/>
-              </a:rPr>
-              <a:t>CREDENCIAIS</a:t>
-            </a:r>
-            <a:endParaRPr lang="pt-BR" sz="2000" dirty="0">
-              <a:solidFill>
-                <a:srgbClr val="91A3AD"/>
-              </a:solidFill>
-              <a:latin typeface="Gotham HTF Bold"/>
-              <a:cs typeface="Gotham HTF Bold"/>
-            </a:endParaRPr>
-          </a:p>
-        </p:txBody>
-      </p:sp>
-      <p:cxnSp>
-        <p:nvCxnSpPr>
-          <p:cNvPr id="24" name="Straight Connector 23">
-            <a:extLst>
-              <a:ext uri="{FF2B5EF4-FFF2-40B4-BE49-F238E27FC236}">
-                <a16:creationId xmlns:a16="http://schemas.microsoft.com/office/drawing/2014/main" id="{34AD8B4E-9770-4468-95C5-D0B59B3C7441}"/>
-              </a:ext>
-            </a:extLst>
-          </p:cNvPr>
-          <p:cNvCxnSpPr>
-            <a:cxnSpLocks/>
-          </p:cNvCxnSpPr>
-          <p:nvPr/>
-        </p:nvCxnSpPr>
-        <p:spPr>
-          <a:xfrm>
-            <a:off x="2373061" y="3333981"/>
-            <a:ext cx="592120" cy="0"/>
-          </a:xfrm>
-          <a:prstGeom prst="line">
-            <a:avLst/>
-          </a:prstGeom>
-          <a:ln w="28575">
-            <a:solidFill>
-              <a:srgbClr val="ED145B"/>
-            </a:solidFill>
-          </a:ln>
-          <a:effectLst/>
-        </p:spPr>
-        <p:style>
-          <a:lnRef idx="2">
-            <a:schemeClr val="accent1"/>
-          </a:lnRef>
-          <a:fillRef idx="0">
-            <a:schemeClr val="accent1"/>
-          </a:fillRef>
-          <a:effectRef idx="1">
-            <a:schemeClr val="accent1"/>
-          </a:effectRef>
-          <a:fontRef idx="minor">
-            <a:schemeClr val="tx1"/>
-          </a:fontRef>
-        </p:style>
-      </p:cxnSp>
-      <p:sp>
-        <p:nvSpPr>
-          <p:cNvPr id="25" name="TextBox 24">
-            <a:extLst>
-              <a:ext uri="{FF2B5EF4-FFF2-40B4-BE49-F238E27FC236}">
-                <a16:creationId xmlns:a16="http://schemas.microsoft.com/office/drawing/2014/main" id="{C07673D4-31BA-43D1-A1F7-B71D74C3EC92}"/>
-              </a:ext>
-            </a:extLst>
-          </p:cNvPr>
-          <p:cNvSpPr txBox="1"/>
-          <p:nvPr/>
-        </p:nvSpPr>
-        <p:spPr>
-          <a:xfrm>
-            <a:off x="1976355" y="2867047"/>
-            <a:ext cx="3953711" cy="369332"/>
-          </a:xfrm>
-          <a:prstGeom prst="rect">
-            <a:avLst/>
-          </a:prstGeom>
-          <a:noFill/>
-        </p:spPr>
-        <p:txBody>
-          <a:bodyPr wrap="none" rtlCol="0">
-            <a:spAutoFit/>
-          </a:bodyPr>
-          <a:lstStyle/>
-          <a:p>
-            <a:pPr defTabSz="609036">
-              <a:lnSpc>
-                <a:spcPct val="90000"/>
-              </a:lnSpc>
-            </a:pPr>
-            <a:r>
-              <a:rPr lang="pt-BR" sz="2000" b="1" dirty="0">
-                <a:solidFill>
-                  <a:srgbClr val="EC1164"/>
-                </a:solidFill>
-                <a:latin typeface="Gotham HTF Light"/>
-                <a:cs typeface="Gotham HTF Light"/>
-              </a:rPr>
-              <a:t>2. </a:t>
+              <a:t>7. </a:t>
             </a:r>
             <a:r>
               <a:rPr lang="pt-BR" sz="2000" dirty="0">
@@ -11964,13 +11964,13 @@
   <p:clrMapOvr>
     <a:masterClrMapping/>
   </p:clrMapOvr>
-  <mc:AlternateContent xmlns:mc="http://schemas.openxmlformats.org/markup-compatibility/2006">
-    <mc:Choice xmlns:p14="http://schemas.microsoft.com/office/powerpoint/2010/main" Requires="p14">
+  <mc:AlternateContent xmlns:mc="http://schemas.openxmlformats.org/markup-compatibility/2006" xmlns:p14="http://schemas.microsoft.com/office/powerpoint/2010/main">
+    <mc:Choice Requires="p14">
       <p:transition spd="med" p14:dur="700" advTm="2650">
         <p:fade/>
       </p:transition>
     </mc:Choice>
-    <mc:Fallback>
+    <mc:Fallback xmlns="">
       <p:transition spd="med" advTm="2650">
         <p:fade/>
       </p:transition>
@@ -12181,13 +12181,13 @@
   <p:clrMapOvr>
     <a:masterClrMapping/>
   </p:clrMapOvr>
-  <mc:AlternateContent xmlns:mc="http://schemas.openxmlformats.org/markup-compatibility/2006">
-    <mc:Choice xmlns:p14="http://schemas.microsoft.com/office/powerpoint/2010/main" Requires="p14">
+  <mc:AlternateContent xmlns:mc="http://schemas.openxmlformats.org/markup-compatibility/2006" xmlns:p14="http://schemas.microsoft.com/office/powerpoint/2010/main">
+    <mc:Choice Requires="p14">
       <p:transition spd="med" p14:dur="700" advTm="2576">
         <p:fade/>
       </p:transition>
     </mc:Choice>
-    <mc:Fallback>
+    <mc:Fallback xmlns="">
       <p:transition spd="med" advTm="2576">
         <p:fade/>
       </p:transition>
@@ -12361,7 +12361,7 @@
         <p:spPr>
           <a:xfrm>
             <a:off x="1803076" y="1439912"/>
-            <a:ext cx="3316934" cy="341632"/>
+            <a:ext cx="2629246" cy="286232"/>
           </a:xfrm>
           <a:prstGeom prst="rect">
             <a:avLst/>
@@ -12380,7 +12380,7 @@
               </a:lnSpc>
             </a:pPr>
             <a:r>
-              <a:rPr lang="pt-BR" b="1" dirty="0">
+              <a:rPr lang="pt-BR" sz="1400" b="1" dirty="0">
                 <a:solidFill>
                   <a:srgbClr val="EC1164"/>
                 </a:solidFill>
@@ -12390,7 +12390,7 @@
               <a:t>NOME: </a:t>
             </a:r>
             <a:r>
-              <a:rPr lang="pt-BR" sz="1600" dirty="0">
+              <a:rPr lang="pt-BR" sz="1200" b="1" dirty="0">
                 <a:solidFill>
                   <a:srgbClr val="91A3AD"/>
                 </a:solidFill>
@@ -12399,7 +12399,7 @@
               </a:rPr>
               <a:t>SEU PRIMEIRO NOME</a:t>
             </a:r>
-            <a:endParaRPr lang="pt-BR" sz="1400" dirty="0">
+            <a:endParaRPr lang="pt-BR" sz="1100" b="1" dirty="0">
               <a:solidFill>
                 <a:srgbClr val="91A3AD"/>
               </a:solidFill>
@@ -12424,7 +12424,7 @@
         <p:spPr>
           <a:xfrm>
             <a:off x="1809703" y="1989839"/>
-            <a:ext cx="3701783" cy="341632"/>
+            <a:ext cx="2932854" cy="286232"/>
           </a:xfrm>
           <a:prstGeom prst="rect">
             <a:avLst/>
@@ -12443,7 +12443,7 @@
               </a:lnSpc>
             </a:pPr>
             <a:r>
-              <a:rPr lang="pt-BR" b="1" dirty="0">
+              <a:rPr lang="pt-BR" sz="1400" b="1" dirty="0">
                 <a:solidFill>
                   <a:srgbClr val="EC1164"/>
                 </a:solidFill>
@@ -12453,7 +12453,7 @@
               <a:t>LOGIN: </a:t>
             </a:r>
             <a:r>
-              <a:rPr lang="pt-BR" sz="1600" dirty="0">
+              <a:rPr lang="pt-BR" sz="1200" b="1" dirty="0">
                 <a:solidFill>
                   <a:srgbClr val="91A3AD"/>
                 </a:solidFill>
@@ -12462,7 +12462,7 @@
               </a:rPr>
               <a:t>SEU LOGIN DE MONITOR</a:t>
             </a:r>
-            <a:endParaRPr lang="pt-BR" sz="1400" dirty="0">
+            <a:endParaRPr lang="pt-BR" sz="1100" b="1" dirty="0">
               <a:solidFill>
                 <a:srgbClr val="91A3AD"/>
               </a:solidFill>
@@ -12487,7 +12487,7 @@
         <p:spPr>
           <a:xfrm>
             <a:off x="1809703" y="2566271"/>
-            <a:ext cx="3884012" cy="341632"/>
+            <a:ext cx="3072188" cy="286232"/>
           </a:xfrm>
           <a:prstGeom prst="rect">
             <a:avLst/>
@@ -12506,7 +12506,7 @@
               </a:lnSpc>
             </a:pPr>
             <a:r>
-              <a:rPr lang="pt-BR" b="1" dirty="0">
+              <a:rPr lang="pt-BR" sz="1400" b="1" dirty="0">
                 <a:solidFill>
                   <a:srgbClr val="EC1164"/>
                 </a:solidFill>
@@ -12516,7 +12516,7 @@
               <a:t>SENHA: </a:t>
             </a:r>
             <a:r>
-              <a:rPr lang="pt-BR" sz="1600" dirty="0">
+              <a:rPr lang="pt-BR" sz="1200" b="1" dirty="0">
                 <a:solidFill>
                   <a:srgbClr val="91A3AD"/>
                 </a:solidFill>
@@ -12525,7 +12525,7 @@
               </a:rPr>
               <a:t>SUA SENHA DE MONITOR</a:t>
             </a:r>
-            <a:endParaRPr lang="pt-BR" sz="1400" dirty="0">
+            <a:endParaRPr lang="pt-BR" sz="1100" b="1" dirty="0">
               <a:solidFill>
                 <a:srgbClr val="91A3AD"/>
               </a:solidFill>
@@ -12551,7 +12551,7 @@
         </p:nvCxnSpPr>
         <p:spPr>
           <a:xfrm>
-            <a:off x="1577009" y="1611204"/>
+            <a:off x="1577009" y="1568672"/>
             <a:ext cx="192938" cy="0"/>
           </a:xfrm>
           <a:prstGeom prst="line">
@@ -12595,7 +12595,7 @@
         </p:nvCxnSpPr>
         <p:spPr>
           <a:xfrm>
-            <a:off x="1570385" y="2187676"/>
+            <a:off x="1570385" y="2113245"/>
             <a:ext cx="192938" cy="0"/>
           </a:xfrm>
           <a:prstGeom prst="line">
@@ -12639,7 +12639,7 @@
         </p:nvCxnSpPr>
         <p:spPr>
           <a:xfrm>
-            <a:off x="1577012" y="2737641"/>
+            <a:off x="1577012" y="2716375"/>
             <a:ext cx="192938" cy="0"/>
           </a:xfrm>
           <a:prstGeom prst="line">
@@ -12728,7 +12728,7 @@
         <p:spPr>
           <a:xfrm>
             <a:off x="1796452" y="4295749"/>
-            <a:ext cx="2821029" cy="341632"/>
+            <a:ext cx="2188291" cy="286232"/>
           </a:xfrm>
           <a:prstGeom prst="rect">
             <a:avLst/>
@@ -12747,7 +12747,7 @@
               </a:lnSpc>
             </a:pPr>
             <a:r>
-              <a:rPr lang="pt-BR" b="1" dirty="0">
+              <a:rPr lang="pt-BR" sz="1400" b="1" dirty="0">
                 <a:solidFill>
                   <a:srgbClr val="EC1164"/>
                 </a:solidFill>
@@ -12757,7 +12757,7 @@
               <a:t>PROVA: </a:t>
             </a:r>
             <a:r>
-              <a:rPr lang="pt-BR" sz="1600" dirty="0">
+              <a:rPr lang="pt-BR" sz="1200" b="1" dirty="0">
                 <a:solidFill>
                   <a:srgbClr val="91A3AD"/>
                 </a:solidFill>
@@ -12766,7 +12766,7 @@
               </a:rPr>
               <a:t>PARA AUTOPN</a:t>
             </a:r>
-            <a:endParaRPr lang="pt-BR" sz="1400" dirty="0">
+            <a:endParaRPr lang="pt-BR" sz="1100" b="1" dirty="0">
               <a:solidFill>
                 <a:srgbClr val="91A3AD"/>
               </a:solidFill>
@@ -12791,7 +12791,7 @@
         <p:spPr>
           <a:xfrm>
             <a:off x="1803079" y="4845676"/>
-            <a:ext cx="3967176" cy="341632"/>
+            <a:ext cx="3129255" cy="286232"/>
           </a:xfrm>
           <a:prstGeom prst="rect">
             <a:avLst/>
@@ -12810,7 +12810,7 @@
               </a:lnSpc>
             </a:pPr>
             <a:r>
-              <a:rPr lang="pt-BR" b="1" dirty="0">
+              <a:rPr lang="pt-BR" sz="1400" b="1" dirty="0">
                 <a:solidFill>
                   <a:srgbClr val="EC1164"/>
                 </a:solidFill>
@@ -12820,7 +12820,7 @@
               <a:t>PROVA ONLINE: </a:t>
             </a:r>
             <a:r>
-              <a:rPr lang="pt-BR" sz="1600" dirty="0">
+              <a:rPr lang="pt-BR" sz="1200" b="1" dirty="0">
                 <a:solidFill>
                   <a:srgbClr val="91A3AD"/>
                 </a:solidFill>
@@ -12829,7 +12829,7 @@
               </a:rPr>
               <a:t>PARA AUTOPON</a:t>
             </a:r>
-            <a:endParaRPr lang="pt-BR" sz="1400" dirty="0">
+            <a:endParaRPr lang="pt-BR" sz="1100" b="1" dirty="0">
               <a:solidFill>
                 <a:srgbClr val="91A3AD"/>
               </a:solidFill>
@@ -12854,7 +12854,7 @@
         <p:spPr>
           <a:xfrm>
             <a:off x="1803079" y="5422108"/>
-            <a:ext cx="2798587" cy="341632"/>
+            <a:ext cx="2876685" cy="286232"/>
           </a:xfrm>
           <a:prstGeom prst="rect">
             <a:avLst/>
@@ -12873,7 +12873,7 @@
               </a:lnSpc>
             </a:pPr>
             <a:r>
-              <a:rPr lang="pt-BR" b="1" dirty="0">
+              <a:rPr lang="pt-BR" sz="1400" b="1" dirty="0">
                 <a:solidFill>
                   <a:srgbClr val="EC1164"/>
                 </a:solidFill>
@@ -12883,7 +12883,7 @@
               <a:t>LABORATÓRIO: </a:t>
             </a:r>
             <a:r>
-              <a:rPr lang="pt-BR" sz="1600" dirty="0">
+              <a:rPr lang="pt-BR" sz="1200" b="1" dirty="0">
                 <a:solidFill>
                   <a:srgbClr val="91A3AD"/>
                 </a:solidFill>
@@ -12892,7 +12892,7 @@
               </a:rPr>
               <a:t>PARA LOGINS</a:t>
             </a:r>
-            <a:endParaRPr lang="pt-BR" sz="1400" dirty="0">
+            <a:endParaRPr lang="pt-BR" sz="1100" b="1" dirty="0">
               <a:solidFill>
                 <a:srgbClr val="91A3AD"/>
               </a:solidFill>
@@ -12918,7 +12918,7 @@
         </p:nvCxnSpPr>
         <p:spPr>
           <a:xfrm>
-            <a:off x="1570385" y="4467041"/>
+            <a:off x="1570385" y="4445775"/>
             <a:ext cx="192938" cy="0"/>
           </a:xfrm>
           <a:prstGeom prst="line">
@@ -12962,7 +12962,7 @@
         </p:nvCxnSpPr>
         <p:spPr>
           <a:xfrm>
-            <a:off x="1563761" y="5043513"/>
+            <a:off x="1563761" y="4990348"/>
             <a:ext cx="192938" cy="0"/>
           </a:xfrm>
           <a:prstGeom prst="line">
@@ -13006,7 +13006,7 @@
         </p:nvCxnSpPr>
         <p:spPr>
           <a:xfrm>
-            <a:off x="1570388" y="5593478"/>
+            <a:off x="1570388" y="5561579"/>
             <a:ext cx="192938" cy="0"/>
           </a:xfrm>
           <a:prstGeom prst="line">
@@ -13130,7 +13130,7 @@
         <p:spPr>
           <a:xfrm>
             <a:off x="1809704" y="5938031"/>
-            <a:ext cx="4133889" cy="341632"/>
+            <a:ext cx="4206151" cy="286232"/>
           </a:xfrm>
           <a:prstGeom prst="rect">
             <a:avLst/>
@@ -13149,7 +13149,7 @@
               </a:lnSpc>
             </a:pPr>
             <a:r>
-              <a:rPr lang="pt-BR" b="1" dirty="0">
+              <a:rPr lang="pt-BR" sz="1400" b="1" dirty="0">
                 <a:solidFill>
                   <a:srgbClr val="EC1164"/>
                 </a:solidFill>
@@ -13159,7 +13159,7 @@
               <a:t>ADMINISTRADOR: </a:t>
             </a:r>
             <a:r>
-              <a:rPr lang="pt-BR" sz="1600" dirty="0">
+              <a:rPr lang="pt-BR" sz="1200" b="1" dirty="0">
                 <a:solidFill>
                   <a:srgbClr val="91A3AD"/>
                 </a:solidFill>
@@ -13169,7 +13169,7 @@
               <a:t>PARA PSEXEC </a:t>
             </a:r>
             <a:r>
-              <a:rPr lang="pt-BR" sz="1600" dirty="0">
+              <a:rPr lang="pt-BR" sz="1200" b="1" dirty="0">
                 <a:solidFill>
                   <a:srgbClr val="91A3AD"/>
                 </a:solidFill>
@@ -13196,7 +13196,7 @@
         </p:nvCxnSpPr>
         <p:spPr>
           <a:xfrm>
-            <a:off x="1577013" y="6109401"/>
+            <a:off x="1577013" y="6088135"/>
             <a:ext cx="192938" cy="0"/>
           </a:xfrm>
           <a:prstGeom prst="line">
@@ -13277,13 +13277,13 @@
   <p:clrMapOvr>
     <a:masterClrMapping/>
   </p:clrMapOvr>
-  <mc:AlternateContent xmlns:mc="http://schemas.openxmlformats.org/markup-compatibility/2006">
-    <mc:Choice xmlns:p14="http://schemas.microsoft.com/office/powerpoint/2010/main" Requires="p14">
+  <mc:AlternateContent xmlns:mc="http://schemas.openxmlformats.org/markup-compatibility/2006" xmlns:p14="http://schemas.microsoft.com/office/powerpoint/2010/main">
+    <mc:Choice Requires="p14">
       <p:transition spd="med" p14:dur="700" advTm="1786">
         <p:fade/>
       </p:transition>
     </mc:Choice>
-    <mc:Fallback>
+    <mc:Fallback xmlns="">
       <p:transition spd="med" advTm="1786">
         <p:fade/>
       </p:transition>
@@ -13511,13 +13511,13 @@
   <p:clrMapOvr>
     <a:masterClrMapping/>
   </p:clrMapOvr>
-  <mc:AlternateContent xmlns:mc="http://schemas.openxmlformats.org/markup-compatibility/2006">
-    <mc:Choice xmlns:p14="http://schemas.microsoft.com/office/powerpoint/2010/main" Requires="p14">
+  <mc:AlternateContent xmlns:mc="http://schemas.openxmlformats.org/markup-compatibility/2006" xmlns:p14="http://schemas.microsoft.com/office/powerpoint/2010/main">
+    <mc:Choice Requires="p14">
       <p:transition spd="med" p14:dur="700" advTm="1951">
         <p:fade/>
       </p:transition>
     </mc:Choice>
-    <mc:Fallback>
+    <mc:Fallback xmlns="">
       <p:transition spd="med" advTm="1951">
         <p:fade/>
       </p:transition>
@@ -14765,13 +14765,13 @@
   <p:clrMapOvr>
     <a:masterClrMapping/>
   </p:clrMapOvr>
-  <mc:AlternateContent xmlns:mc="http://schemas.openxmlformats.org/markup-compatibility/2006">
-    <mc:Choice xmlns:p14="http://schemas.microsoft.com/office/powerpoint/2010/main" Requires="p14">
+  <mc:AlternateContent xmlns:mc="http://schemas.openxmlformats.org/markup-compatibility/2006" xmlns:p14="http://schemas.microsoft.com/office/powerpoint/2010/main">
+    <mc:Choice Requires="p14">
       <p:transition spd="med" p14:dur="700" advTm="2822">
         <p:fade/>
       </p:transition>
     </mc:Choice>
-    <mc:Fallback>
+    <mc:Fallback xmlns="">
       <p:transition spd="med" advTm="2822">
         <p:fade/>
       </p:transition>
@@ -17525,13 +17525,13 @@
   <p:clrMapOvr>
     <a:masterClrMapping/>
   </p:clrMapOvr>
-  <mc:AlternateContent xmlns:mc="http://schemas.openxmlformats.org/markup-compatibility/2006">
-    <mc:Choice xmlns:p14="http://schemas.microsoft.com/office/powerpoint/2010/main" Requires="p14">
+  <mc:AlternateContent xmlns:mc="http://schemas.openxmlformats.org/markup-compatibility/2006" xmlns:p14="http://schemas.microsoft.com/office/powerpoint/2010/main">
+    <mc:Choice Requires="p14">
       <p:transition spd="med" p14:dur="700" advTm="2912">
         <p:fade/>
       </p:transition>
     </mc:Choice>
-    <mc:Fallback>
+    <mc:Fallback xmlns="">
       <p:transition spd="med" advTm="2912">
         <p:fade/>
       </p:transition>
